--- a/java/docs/07-java-基础类.pptx
+++ b/java/docs/07-java-基础类.pptx
@@ -6,25 +6,16 @@
     <p:sldMasterId id="2147483660" r:id="rId2"/>
   </p:sldMasterIdLst>
   <p:notesMasterIdLst>
-    <p:notesMasterId r:id="rId19"/>
+    <p:notesMasterId r:id="rId10"/>
   </p:notesMasterIdLst>
   <p:sldIdLst>
     <p:sldId id="256" r:id="rId3"/>
-    <p:sldId id="275" r:id="rId4"/>
-    <p:sldId id="262" r:id="rId5"/>
+    <p:sldId id="262" r:id="rId4"/>
+    <p:sldId id="275" r:id="rId5"/>
     <p:sldId id="263" r:id="rId6"/>
-    <p:sldId id="264" r:id="rId7"/>
-    <p:sldId id="265" r:id="rId8"/>
-    <p:sldId id="272" r:id="rId9"/>
-    <p:sldId id="273" r:id="rId10"/>
-    <p:sldId id="274" r:id="rId11"/>
-    <p:sldId id="266" r:id="rId12"/>
-    <p:sldId id="267" r:id="rId13"/>
-    <p:sldId id="268" r:id="rId14"/>
-    <p:sldId id="270" r:id="rId15"/>
-    <p:sldId id="271" r:id="rId16"/>
-    <p:sldId id="261" r:id="rId17"/>
-    <p:sldId id="269" r:id="rId18"/>
+    <p:sldId id="266" r:id="rId7"/>
+    <p:sldId id="273" r:id="rId8"/>
+    <p:sldId id="269" r:id="rId9"/>
   </p:sldIdLst>
   <p:sldSz cx="9144000" cy="6858000" type="screen4x3"/>
   <p:notesSz cx="6858000" cy="9144000"/>
@@ -208,7 +199,7 @@
           <a:p>
             <a:fld id="{D6CB015B-B7FF-4093-8E19-9AD7339689D2}" type="datetimeFigureOut">
               <a:rPr lang="zh-CN" altLang="en-US" smtClean="0"/>
-              <a:t>2017/12/3</a:t>
+              <a:t>2017/12/4</a:t>
             </a:fld>
             <a:endParaRPr lang="zh-CN" altLang="en-US"/>
           </a:p>
@@ -476,105 +467,6 @@
     </a:lvl9pPr>
   </p:notesStyle>
 </p:notesMaster>
-</file>
-
-<file path=ppt/notesSlides/notesSlide1.xml><?xml version="1.0" encoding="utf-8"?>
-<p:notes xmlns:a="http://schemas.openxmlformats.org/drawingml/2006/main" xmlns:r="http://schemas.openxmlformats.org/officeDocument/2006/relationships" xmlns:p="http://schemas.openxmlformats.org/presentationml/2006/main">
-  <p:cSld>
-    <p:spTree>
-      <p:nvGrpSpPr>
-        <p:cNvPr id="1" name=""/>
-        <p:cNvGrpSpPr/>
-        <p:nvPr/>
-      </p:nvGrpSpPr>
-      <p:grpSpPr>
-        <a:xfrm>
-          <a:off x="0" y="0"/>
-          <a:ext cx="0" cy="0"/>
-          <a:chOff x="0" y="0"/>
-          <a:chExt cx="0" cy="0"/>
-        </a:xfrm>
-      </p:grpSpPr>
-      <p:sp>
-        <p:nvSpPr>
-          <p:cNvPr id="2" name="幻灯片图像占位符 1"/>
-          <p:cNvSpPr>
-            <a:spLocks noGrp="1" noRot="1" noChangeAspect="1"/>
-          </p:cNvSpPr>
-          <p:nvPr>
-            <p:ph type="sldImg"/>
-          </p:nvPr>
-        </p:nvSpPr>
-        <p:spPr/>
-      </p:sp>
-      <p:sp>
-        <p:nvSpPr>
-          <p:cNvPr id="3" name="备注占位符 2"/>
-          <p:cNvSpPr>
-            <a:spLocks noGrp="1"/>
-          </p:cNvSpPr>
-          <p:nvPr>
-            <p:ph type="body" idx="1"/>
-          </p:nvPr>
-        </p:nvSpPr>
-        <p:spPr/>
-        <p:txBody>
-          <a:bodyPr>
-            <a:normAutofit/>
-          </a:bodyPr>
-          <a:lstStyle/>
-          <a:p>
-            <a:pPr marL="0" marR="0" indent="0" algn="l" defTabSz="914400" rtl="0" eaLnBrk="1" fontAlgn="auto" latinLnBrk="0" hangingPunct="1">
-              <a:lnSpc>
-                <a:spcPct val="100000"/>
-              </a:lnSpc>
-              <a:spcBef>
-                <a:spcPts val="0"/>
-              </a:spcBef>
-              <a:spcAft>
-                <a:spcPts val="0"/>
-              </a:spcAft>
-              <a:buClrTx/>
-              <a:buSzTx/>
-              <a:buFontTx/>
-              <a:buNone/>
-              <a:tabLst/>
-              <a:defRPr/>
-            </a:pPr>
-            <a:endParaRPr lang="zh-CN" altLang="en-US" dirty="0" smtClean="0"/>
-          </a:p>
-        </p:txBody>
-      </p:sp>
-      <p:sp>
-        <p:nvSpPr>
-          <p:cNvPr id="4" name="灯片编号占位符 3"/>
-          <p:cNvSpPr>
-            <a:spLocks noGrp="1"/>
-          </p:cNvSpPr>
-          <p:nvPr>
-            <p:ph type="sldNum" sz="quarter" idx="10"/>
-          </p:nvPr>
-        </p:nvSpPr>
-        <p:spPr/>
-        <p:txBody>
-          <a:bodyPr/>
-          <a:lstStyle/>
-          <a:p>
-            <a:fld id="{96901A81-0F01-4EEE-B1B8-8AAFCC661EC4}" type="slidenum">
-              <a:rPr lang="zh-CN" altLang="en-US" smtClean="0"/>
-              <a:pPr/>
-              <a:t>15</a:t>
-            </a:fld>
-            <a:endParaRPr lang="zh-CN" altLang="en-US"/>
-          </a:p>
-        </p:txBody>
-      </p:sp>
-    </p:spTree>
-  </p:cSld>
-  <p:clrMapOvr>
-    <a:masterClrMapping/>
-  </p:clrMapOvr>
-</p:notes>
 </file>
 
 <file path=ppt/slideLayouts/slideLayout1.xml><?xml version="1.0" encoding="utf-8"?>
@@ -2178,7 +2070,7 @@
             <a:fld id="{B35E7478-ADE7-4480-A214-01473DFE0029}" type="datetimeFigureOut">
               <a:rPr lang="zh-CN" altLang="en-US" smtClean="0"/>
               <a:pPr/>
-              <a:t>2017/12/3</a:t>
+              <a:t>2017/12/4</a:t>
             </a:fld>
             <a:endParaRPr lang="zh-CN" altLang="en-US"/>
           </a:p>
@@ -6043,7 +5935,7 @@
             <a:fld id="{B35E7478-ADE7-4480-A214-01473DFE0029}" type="datetimeFigureOut">
               <a:rPr lang="zh-CN" altLang="en-US" smtClean="0"/>
               <a:pPr/>
-              <a:t>2017/12/3</a:t>
+              <a:t>2017/12/4</a:t>
             </a:fld>
             <a:endParaRPr lang="zh-CN" altLang="en-US"/>
           </a:p>
@@ -7711,7 +7603,7 @@
             <a:fld id="{B35E7478-ADE7-4480-A214-01473DFE0029}" type="datetimeFigureOut">
               <a:rPr lang="zh-CN" altLang="en-US" smtClean="0"/>
               <a:pPr/>
-              <a:t>2017/12/3</a:t>
+              <a:t>2017/12/4</a:t>
             </a:fld>
             <a:endParaRPr lang="zh-CN" altLang="en-US"/>
           </a:p>
@@ -12015,7 +11907,7 @@
                 </a:solidFill>
               </a:rPr>
               <a:pPr/>
-              <a:t>2017/12/3</a:t>
+              <a:t>2017/12/4</a:t>
             </a:fld>
             <a:endParaRPr lang="zh-CN" altLang="en-US">
               <a:solidFill>
@@ -15933,7 +15825,7 @@
                 </a:solidFill>
               </a:rPr>
               <a:pPr/>
-              <a:t>2017/12/3</a:t>
+              <a:t>2017/12/4</a:t>
             </a:fld>
             <a:endParaRPr lang="zh-CN" altLang="en-US">
               <a:solidFill>
@@ -21784,7 +21676,7 @@
                 </a:solidFill>
               </a:rPr>
               <a:pPr/>
-              <a:t>2017/12/3</a:t>
+              <a:t>2017/12/4</a:t>
             </a:fld>
             <a:endParaRPr lang="zh-CN" altLang="en-US">
               <a:solidFill>
@@ -22374,7 +22266,7 @@
                 </a:solidFill>
               </a:rPr>
               <a:pPr/>
-              <a:t>2017/12/3</a:t>
+              <a:t>2017/12/4</a:t>
             </a:fld>
             <a:endParaRPr lang="zh-CN" altLang="en-US">
               <a:solidFill>
@@ -26078,7 +25970,7 @@
                 </a:solidFill>
               </a:rPr>
               <a:pPr/>
-              <a:t>2017/12/3</a:t>
+              <a:t>2017/12/4</a:t>
             </a:fld>
             <a:endParaRPr lang="zh-CN" altLang="en-US">
               <a:solidFill>
@@ -26212,7 +26104,7 @@
                 </a:solidFill>
               </a:rPr>
               <a:pPr/>
-              <a:t>2017/12/3</a:t>
+              <a:t>2017/12/4</a:t>
             </a:fld>
             <a:endParaRPr lang="zh-CN" altLang="en-US">
               <a:solidFill>
@@ -27041,7 +26933,7 @@
             <a:fld id="{B35E7478-ADE7-4480-A214-01473DFE0029}" type="datetimeFigureOut">
               <a:rPr lang="zh-CN" altLang="en-US" smtClean="0"/>
               <a:pPr/>
-              <a:t>2017/12/3</a:t>
+              <a:t>2017/12/4</a:t>
             </a:fld>
             <a:endParaRPr lang="zh-CN" altLang="en-US"/>
           </a:p>
@@ -32369,7 +32261,7 @@
             <a:fld id="{B35E7478-ADE7-4480-A214-01473DFE0029}" type="datetimeFigureOut">
               <a:rPr lang="zh-CN" altLang="en-US" smtClean="0"/>
               <a:pPr/>
-              <a:t>2017/12/3</a:t>
+              <a:t>2017/12/4</a:t>
             </a:fld>
             <a:endParaRPr lang="zh-CN" altLang="en-US"/>
           </a:p>
@@ -37723,7 +37615,7 @@
             <a:fld id="{B35E7478-ADE7-4480-A214-01473DFE0029}" type="datetimeFigureOut">
               <a:rPr lang="zh-CN" altLang="en-US" smtClean="0"/>
               <a:pPr/>
-              <a:t>2017/12/3</a:t>
+              <a:t>2017/12/4</a:t>
             </a:fld>
             <a:endParaRPr lang="zh-CN" altLang="en-US"/>
           </a:p>
@@ -37820,7 +37712,7 @@
             <a:fld id="{B35E7478-ADE7-4480-A214-01473DFE0029}" type="datetimeFigureOut">
               <a:rPr lang="zh-CN" altLang="en-US" smtClean="0"/>
               <a:pPr/>
-              <a:t>2017/12/3</a:t>
+              <a:t>2017/12/4</a:t>
             </a:fld>
             <a:endParaRPr lang="zh-CN" altLang="en-US"/>
           </a:p>
@@ -38106,7 +37998,7 @@
             <a:fld id="{B35E7478-ADE7-4480-A214-01473DFE0029}" type="datetimeFigureOut">
               <a:rPr lang="zh-CN" altLang="en-US" smtClean="0"/>
               <a:pPr/>
-              <a:t>2017/12/3</a:t>
+              <a:t>2017/12/4</a:t>
             </a:fld>
             <a:endParaRPr lang="zh-CN" altLang="en-US"/>
           </a:p>
@@ -38361,7 +38253,7 @@
             <a:fld id="{B35E7478-ADE7-4480-A214-01473DFE0029}" type="datetimeFigureOut">
               <a:rPr lang="zh-CN" altLang="en-US" smtClean="0"/>
               <a:pPr/>
-              <a:t>2017/12/3</a:t>
+              <a:t>2017/12/4</a:t>
             </a:fld>
             <a:endParaRPr lang="zh-CN" altLang="en-US"/>
           </a:p>
@@ -38533,7 +38425,7 @@
             <a:fld id="{B35E7478-ADE7-4480-A214-01473DFE0029}" type="datetimeFigureOut">
               <a:rPr lang="zh-CN" altLang="en-US" smtClean="0"/>
               <a:pPr/>
-              <a:t>2017/12/3</a:t>
+              <a:t>2017/12/4</a:t>
             </a:fld>
             <a:endParaRPr lang="zh-CN" altLang="en-US"/>
           </a:p>
@@ -38760,7 +38652,7 @@
             <a:fld id="{B35E7478-ADE7-4480-A214-01473DFE0029}" type="datetimeFigureOut">
               <a:rPr lang="zh-CN" altLang="en-US" smtClean="0"/>
               <a:pPr/>
-              <a:t>2017/12/3</a:t>
+              <a:t>2017/12/4</a:t>
             </a:fld>
             <a:endParaRPr lang="zh-CN" altLang="en-US"/>
           </a:p>
@@ -39296,7 +39188,7 @@
                 </a:solidFill>
               </a:rPr>
               <a:pPr/>
-              <a:t>2017/12/3</a:t>
+              <a:t>2017/12/4</a:t>
             </a:fld>
             <a:endParaRPr lang="zh-CN" altLang="en-US">
               <a:solidFill>
@@ -39768,560 +39660,7 @@
 </p:sld>
 </file>
 
-<file path=ppt/slides/slide10.xml><?xml version="1.0" encoding="utf-8"?>
-<p:sld xmlns:a="http://schemas.openxmlformats.org/drawingml/2006/main" xmlns:r="http://schemas.openxmlformats.org/officeDocument/2006/relationships" xmlns:p="http://schemas.openxmlformats.org/presentationml/2006/main">
-  <p:cSld>
-    <p:spTree>
-      <p:nvGrpSpPr>
-        <p:cNvPr id="1" name=""/>
-        <p:cNvGrpSpPr/>
-        <p:nvPr/>
-      </p:nvGrpSpPr>
-      <p:grpSpPr>
-        <a:xfrm>
-          <a:off x="0" y="0"/>
-          <a:ext cx="0" cy="0"/>
-          <a:chOff x="0" y="0"/>
-          <a:chExt cx="0" cy="0"/>
-        </a:xfrm>
-      </p:grpSpPr>
-      <p:sp>
-        <p:nvSpPr>
-          <p:cNvPr id="2" name="标题 1"/>
-          <p:cNvSpPr>
-            <a:spLocks noGrp="1"/>
-          </p:cNvSpPr>
-          <p:nvPr>
-            <p:ph type="title"/>
-          </p:nvPr>
-        </p:nvSpPr>
-        <p:spPr/>
-        <p:txBody>
-          <a:bodyPr>
-            <a:normAutofit fontScale="90000"/>
-          </a:bodyPr>
-          <a:lstStyle/>
-          <a:p>
-            <a:r>
-              <a:rPr lang="en-US" altLang="zh-CN" dirty="0"/>
-              <a:t>Math</a:t>
-            </a:r>
-            <a:r>
-              <a:rPr lang="zh-CN" altLang="en-US" dirty="0"/>
-              <a:t>类</a:t>
-            </a:r>
-          </a:p>
-        </p:txBody>
-      </p:sp>
-      <p:sp>
-        <p:nvSpPr>
-          <p:cNvPr id="3" name="内容占位符 2"/>
-          <p:cNvSpPr>
-            <a:spLocks noGrp="1"/>
-          </p:cNvSpPr>
-          <p:nvPr>
-            <p:ph idx="1"/>
-          </p:nvPr>
-        </p:nvSpPr>
-        <p:spPr/>
-        <p:txBody>
-          <a:bodyPr/>
-          <a:lstStyle/>
-          <a:p>
-            <a:endParaRPr lang="zh-CN" altLang="en-US"/>
-          </a:p>
-        </p:txBody>
-      </p:sp>
-    </p:spTree>
-    <p:extLst>
-      <p:ext uri="{BB962C8B-B14F-4D97-AF65-F5344CB8AC3E}">
-        <p14:creationId xmlns:p14="http://schemas.microsoft.com/office/powerpoint/2010/main" val="56375185"/>
-      </p:ext>
-    </p:extLst>
-  </p:cSld>
-  <p:clrMapOvr>
-    <a:masterClrMapping/>
-  </p:clrMapOvr>
-</p:sld>
-</file>
-
-<file path=ppt/slides/slide11.xml><?xml version="1.0" encoding="utf-8"?>
-<p:sld xmlns:a="http://schemas.openxmlformats.org/drawingml/2006/main" xmlns:r="http://schemas.openxmlformats.org/officeDocument/2006/relationships" xmlns:p="http://schemas.openxmlformats.org/presentationml/2006/main">
-  <p:cSld>
-    <p:spTree>
-      <p:nvGrpSpPr>
-        <p:cNvPr id="1" name=""/>
-        <p:cNvGrpSpPr/>
-        <p:nvPr/>
-      </p:nvGrpSpPr>
-      <p:grpSpPr>
-        <a:xfrm>
-          <a:off x="0" y="0"/>
-          <a:ext cx="0" cy="0"/>
-          <a:chOff x="0" y="0"/>
-          <a:chExt cx="0" cy="0"/>
-        </a:xfrm>
-      </p:grpSpPr>
-      <p:sp>
-        <p:nvSpPr>
-          <p:cNvPr id="2" name="标题 1"/>
-          <p:cNvSpPr>
-            <a:spLocks noGrp="1"/>
-          </p:cNvSpPr>
-          <p:nvPr>
-            <p:ph type="title"/>
-          </p:nvPr>
-        </p:nvSpPr>
-        <p:spPr/>
-        <p:txBody>
-          <a:bodyPr>
-            <a:normAutofit fontScale="90000"/>
-          </a:bodyPr>
-          <a:lstStyle/>
-          <a:p>
-            <a:r>
-              <a:rPr lang="en-US" altLang="zh-CN" dirty="0" smtClean="0"/>
-              <a:t>Random</a:t>
-            </a:r>
-            <a:r>
-              <a:rPr lang="zh-CN" altLang="en-US" dirty="0"/>
-              <a:t>类</a:t>
-            </a:r>
-            <a:r>
-              <a:rPr lang="zh-CN" altLang="en-US" dirty="0" smtClean="0"/>
-              <a:t>与</a:t>
-            </a:r>
-            <a:r>
-              <a:rPr lang="en-US" altLang="zh-CN" dirty="0" err="1" smtClean="0"/>
-              <a:t>ThreadLocalRandom</a:t>
-            </a:r>
-            <a:r>
-              <a:rPr lang="zh-CN" altLang="en-US" dirty="0" smtClean="0"/>
-              <a:t>类</a:t>
-            </a:r>
-            <a:r>
-              <a:rPr lang="en-US" altLang="zh-CN" dirty="0" smtClean="0"/>
-              <a:t> </a:t>
-            </a:r>
-            <a:endParaRPr lang="zh-CN" altLang="en-US" dirty="0"/>
-          </a:p>
-        </p:txBody>
-      </p:sp>
-      <p:sp>
-        <p:nvSpPr>
-          <p:cNvPr id="3" name="内容占位符 2"/>
-          <p:cNvSpPr>
-            <a:spLocks noGrp="1"/>
-          </p:cNvSpPr>
-          <p:nvPr>
-            <p:ph idx="1"/>
-          </p:nvPr>
-        </p:nvSpPr>
-        <p:spPr/>
-        <p:txBody>
-          <a:bodyPr/>
-          <a:lstStyle/>
-          <a:p>
-            <a:endParaRPr lang="zh-CN" altLang="en-US"/>
-          </a:p>
-        </p:txBody>
-      </p:sp>
-    </p:spTree>
-    <p:extLst>
-      <p:ext uri="{BB962C8B-B14F-4D97-AF65-F5344CB8AC3E}">
-        <p14:creationId xmlns:p14="http://schemas.microsoft.com/office/powerpoint/2010/main" val="1878945134"/>
-      </p:ext>
-    </p:extLst>
-  </p:cSld>
-  <p:clrMapOvr>
-    <a:masterClrMapping/>
-  </p:clrMapOvr>
-</p:sld>
-</file>
-
-<file path=ppt/slides/slide12.xml><?xml version="1.0" encoding="utf-8"?>
-<p:sld xmlns:a="http://schemas.openxmlformats.org/drawingml/2006/main" xmlns:r="http://schemas.openxmlformats.org/officeDocument/2006/relationships" xmlns:p="http://schemas.openxmlformats.org/presentationml/2006/main">
-  <p:cSld>
-    <p:spTree>
-      <p:nvGrpSpPr>
-        <p:cNvPr id="1" name=""/>
-        <p:cNvGrpSpPr/>
-        <p:nvPr/>
-      </p:nvGrpSpPr>
-      <p:grpSpPr>
-        <a:xfrm>
-          <a:off x="0" y="0"/>
-          <a:ext cx="0" cy="0"/>
-          <a:chOff x="0" y="0"/>
-          <a:chExt cx="0" cy="0"/>
-        </a:xfrm>
-      </p:grpSpPr>
-      <p:sp>
-        <p:nvSpPr>
-          <p:cNvPr id="2" name="标题 1"/>
-          <p:cNvSpPr>
-            <a:spLocks noGrp="1"/>
-          </p:cNvSpPr>
-          <p:nvPr>
-            <p:ph type="title"/>
-          </p:nvPr>
-        </p:nvSpPr>
-        <p:spPr/>
-        <p:txBody>
-          <a:bodyPr>
-            <a:normAutofit fontScale="90000"/>
-          </a:bodyPr>
-          <a:lstStyle/>
-          <a:p>
-            <a:r>
-              <a:rPr lang="en-US" altLang="zh-CN" dirty="0" err="1"/>
-              <a:t>BigDecimal</a:t>
-            </a:r>
-            <a:r>
-              <a:rPr lang="zh-CN" altLang="en-US" dirty="0" smtClean="0"/>
-              <a:t>类</a:t>
-            </a:r>
-            <a:r>
-              <a:rPr lang="en-US" altLang="zh-CN" dirty="0" err="1" smtClean="0"/>
-              <a:t>BigInteger</a:t>
-            </a:r>
-            <a:endParaRPr lang="zh-CN" altLang="en-US" dirty="0"/>
-          </a:p>
-        </p:txBody>
-      </p:sp>
-      <p:sp>
-        <p:nvSpPr>
-          <p:cNvPr id="3" name="内容占位符 2"/>
-          <p:cNvSpPr>
-            <a:spLocks noGrp="1"/>
-          </p:cNvSpPr>
-          <p:nvPr>
-            <p:ph idx="1"/>
-          </p:nvPr>
-        </p:nvSpPr>
-        <p:spPr/>
-        <p:txBody>
-          <a:bodyPr/>
-          <a:lstStyle/>
-          <a:p>
-            <a:endParaRPr lang="zh-CN" altLang="en-US"/>
-          </a:p>
-        </p:txBody>
-      </p:sp>
-    </p:spTree>
-    <p:extLst>
-      <p:ext uri="{BB962C8B-B14F-4D97-AF65-F5344CB8AC3E}">
-        <p14:creationId xmlns:p14="http://schemas.microsoft.com/office/powerpoint/2010/main" val="2303971314"/>
-      </p:ext>
-    </p:extLst>
-  </p:cSld>
-  <p:clrMapOvr>
-    <a:masterClrMapping/>
-  </p:clrMapOvr>
-</p:sld>
-</file>
-
-<file path=ppt/slides/slide13.xml><?xml version="1.0" encoding="utf-8"?>
-<p:sld xmlns:a="http://schemas.openxmlformats.org/drawingml/2006/main" xmlns:r="http://schemas.openxmlformats.org/officeDocument/2006/relationships" xmlns:p="http://schemas.openxmlformats.org/presentationml/2006/main">
-  <p:cSld>
-    <p:spTree>
-      <p:nvGrpSpPr>
-        <p:cNvPr id="1" name=""/>
-        <p:cNvGrpSpPr/>
-        <p:nvPr/>
-      </p:nvGrpSpPr>
-      <p:grpSpPr>
-        <a:xfrm>
-          <a:off x="0" y="0"/>
-          <a:ext cx="0" cy="0"/>
-          <a:chOff x="0" y="0"/>
-          <a:chExt cx="0" cy="0"/>
-        </a:xfrm>
-      </p:grpSpPr>
-      <p:sp>
-        <p:nvSpPr>
-          <p:cNvPr id="2" name="标题 1"/>
-          <p:cNvSpPr>
-            <a:spLocks noGrp="1"/>
-          </p:cNvSpPr>
-          <p:nvPr>
-            <p:ph type="title"/>
-          </p:nvPr>
-        </p:nvSpPr>
-        <p:spPr/>
-        <p:txBody>
-          <a:bodyPr>
-            <a:normAutofit fontScale="90000"/>
-          </a:bodyPr>
-          <a:lstStyle/>
-          <a:p>
-            <a:r>
-              <a:rPr lang="en-US" altLang="zh-CN" dirty="0"/>
-              <a:t>Date</a:t>
-            </a:r>
-            <a:r>
-              <a:rPr lang="zh-CN" altLang="en-US" dirty="0" smtClean="0"/>
-              <a:t>类和</a:t>
-            </a:r>
-            <a:r>
-              <a:rPr lang="en-US" altLang="zh-CN" dirty="0"/>
-              <a:t>Calendar</a:t>
-            </a:r>
-            <a:r>
-              <a:rPr lang="zh-CN" altLang="en-US" dirty="0"/>
-              <a:t>类</a:t>
-            </a:r>
-          </a:p>
-        </p:txBody>
-      </p:sp>
-      <p:sp>
-        <p:nvSpPr>
-          <p:cNvPr id="3" name="内容占位符 2"/>
-          <p:cNvSpPr>
-            <a:spLocks noGrp="1"/>
-          </p:cNvSpPr>
-          <p:nvPr>
-            <p:ph idx="1"/>
-          </p:nvPr>
-        </p:nvSpPr>
-        <p:spPr/>
-        <p:txBody>
-          <a:bodyPr/>
-          <a:lstStyle/>
-          <a:p>
-            <a:endParaRPr lang="zh-CN" altLang="en-US" dirty="0"/>
-          </a:p>
-        </p:txBody>
-      </p:sp>
-    </p:spTree>
-    <p:extLst>
-      <p:ext uri="{BB962C8B-B14F-4D97-AF65-F5344CB8AC3E}">
-        <p14:creationId xmlns:p14="http://schemas.microsoft.com/office/powerpoint/2010/main" val="3143932561"/>
-      </p:ext>
-    </p:extLst>
-  </p:cSld>
-  <p:clrMapOvr>
-    <a:masterClrMapping/>
-  </p:clrMapOvr>
-</p:sld>
-</file>
-
-<file path=ppt/slides/slide14.xml><?xml version="1.0" encoding="utf-8"?>
-<p:sld xmlns:a="http://schemas.openxmlformats.org/drawingml/2006/main" xmlns:r="http://schemas.openxmlformats.org/officeDocument/2006/relationships" xmlns:p="http://schemas.openxmlformats.org/presentationml/2006/main">
-  <p:cSld>
-    <p:spTree>
-      <p:nvGrpSpPr>
-        <p:cNvPr id="1" name=""/>
-        <p:cNvGrpSpPr/>
-        <p:nvPr/>
-      </p:nvGrpSpPr>
-      <p:grpSpPr>
-        <a:xfrm>
-          <a:off x="0" y="0"/>
-          <a:ext cx="0" cy="0"/>
-          <a:chOff x="0" y="0"/>
-          <a:chExt cx="0" cy="0"/>
-        </a:xfrm>
-      </p:grpSpPr>
-      <p:sp>
-        <p:nvSpPr>
-          <p:cNvPr id="2" name="标题 1"/>
-          <p:cNvSpPr>
-            <a:spLocks noGrp="1"/>
-          </p:cNvSpPr>
-          <p:nvPr>
-            <p:ph type="title"/>
-          </p:nvPr>
-        </p:nvSpPr>
-        <p:spPr/>
-        <p:txBody>
-          <a:bodyPr>
-            <a:normAutofit fontScale="90000"/>
-          </a:bodyPr>
-          <a:lstStyle/>
-          <a:p>
-            <a:endParaRPr lang="zh-CN" altLang="en-US"/>
-          </a:p>
-        </p:txBody>
-      </p:sp>
-      <p:sp>
-        <p:nvSpPr>
-          <p:cNvPr id="3" name="内容占位符 2"/>
-          <p:cNvSpPr>
-            <a:spLocks noGrp="1"/>
-          </p:cNvSpPr>
-          <p:nvPr>
-            <p:ph idx="1"/>
-          </p:nvPr>
-        </p:nvSpPr>
-        <p:spPr/>
-        <p:txBody>
-          <a:bodyPr/>
-          <a:lstStyle/>
-          <a:p>
-            <a:endParaRPr lang="zh-CN" altLang="en-US"/>
-          </a:p>
-        </p:txBody>
-      </p:sp>
-    </p:spTree>
-    <p:extLst>
-      <p:ext uri="{BB962C8B-B14F-4D97-AF65-F5344CB8AC3E}">
-        <p14:creationId xmlns:p14="http://schemas.microsoft.com/office/powerpoint/2010/main" val="3036982994"/>
-      </p:ext>
-    </p:extLst>
-  </p:cSld>
-  <p:clrMapOvr>
-    <a:masterClrMapping/>
-  </p:clrMapOvr>
-</p:sld>
-</file>
-
-<file path=ppt/slides/slide15.xml><?xml version="1.0" encoding="utf-8"?>
-<p:sld xmlns:a="http://schemas.openxmlformats.org/drawingml/2006/main" xmlns:r="http://schemas.openxmlformats.org/officeDocument/2006/relationships" xmlns:p="http://schemas.openxmlformats.org/presentationml/2006/main">
-  <p:cSld>
-    <p:spTree>
-      <p:nvGrpSpPr>
-        <p:cNvPr id="1" name=""/>
-        <p:cNvGrpSpPr/>
-        <p:nvPr/>
-      </p:nvGrpSpPr>
-      <p:grpSpPr>
-        <a:xfrm>
-          <a:off x="0" y="0"/>
-          <a:ext cx="0" cy="0"/>
-          <a:chOff x="0" y="0"/>
-          <a:chExt cx="0" cy="0"/>
-        </a:xfrm>
-      </p:grpSpPr>
-    </p:spTree>
-    <p:extLst>
-      <p:ext uri="{BB962C8B-B14F-4D97-AF65-F5344CB8AC3E}">
-        <p14:creationId xmlns:p14="http://schemas.microsoft.com/office/powerpoint/2010/main" val="3418871224"/>
-      </p:ext>
-    </p:extLst>
-  </p:cSld>
-  <p:clrMapOvr>
-    <a:masterClrMapping/>
-  </p:clrMapOvr>
-  <p:timing>
-    <p:tnLst>
-      <p:par>
-        <p:cTn id="1" dur="indefinite" restart="never" nodeType="tmRoot"/>
-      </p:par>
-    </p:tnLst>
-  </p:timing>
-</p:sld>
-</file>
-
-<file path=ppt/slides/slide16.xml><?xml version="1.0" encoding="utf-8"?>
-<p:sld xmlns:a="http://schemas.openxmlformats.org/drawingml/2006/main" xmlns:r="http://schemas.openxmlformats.org/officeDocument/2006/relationships" xmlns:p="http://schemas.openxmlformats.org/presentationml/2006/main">
-  <p:cSld>
-    <p:spTree>
-      <p:nvGrpSpPr>
-        <p:cNvPr id="1" name=""/>
-        <p:cNvGrpSpPr/>
-        <p:nvPr/>
-      </p:nvGrpSpPr>
-      <p:grpSpPr>
-        <a:xfrm>
-          <a:off x="0" y="0"/>
-          <a:ext cx="0" cy="0"/>
-          <a:chOff x="0" y="0"/>
-          <a:chExt cx="0" cy="0"/>
-        </a:xfrm>
-      </p:grpSpPr>
-    </p:spTree>
-    <p:extLst>
-      <p:ext uri="{BB962C8B-B14F-4D97-AF65-F5344CB8AC3E}">
-        <p14:creationId xmlns:p14="http://schemas.microsoft.com/office/powerpoint/2010/main" val="1536160576"/>
-      </p:ext>
-    </p:extLst>
-  </p:cSld>
-  <p:clrMapOvr>
-    <a:masterClrMapping/>
-  </p:clrMapOvr>
-</p:sld>
-</file>
-
 <file path=ppt/slides/slide2.xml><?xml version="1.0" encoding="utf-8"?>
-<p:sld xmlns:a="http://schemas.openxmlformats.org/drawingml/2006/main" xmlns:r="http://schemas.openxmlformats.org/officeDocument/2006/relationships" xmlns:p="http://schemas.openxmlformats.org/presentationml/2006/main">
-  <p:cSld>
-    <p:spTree>
-      <p:nvGrpSpPr>
-        <p:cNvPr id="1" name=""/>
-        <p:cNvGrpSpPr/>
-        <p:nvPr/>
-      </p:nvGrpSpPr>
-      <p:grpSpPr>
-        <a:xfrm>
-          <a:off x="0" y="0"/>
-          <a:ext cx="0" cy="0"/>
-          <a:chOff x="0" y="0"/>
-          <a:chExt cx="0" cy="0"/>
-        </a:xfrm>
-      </p:grpSpPr>
-      <p:sp>
-        <p:nvSpPr>
-          <p:cNvPr id="2" name="标题 1"/>
-          <p:cNvSpPr>
-            <a:spLocks noGrp="1"/>
-          </p:cNvSpPr>
-          <p:nvPr>
-            <p:ph type="title"/>
-          </p:nvPr>
-        </p:nvSpPr>
-        <p:spPr/>
-        <p:txBody>
-          <a:bodyPr>
-            <a:normAutofit fontScale="90000"/>
-          </a:bodyPr>
-          <a:lstStyle/>
-          <a:p>
-            <a:r>
-              <a:rPr lang="en-US" altLang="zh-CN" dirty="0" smtClean="0"/>
-              <a:t>TODO: </a:t>
-            </a:r>
-            <a:r>
-              <a:rPr lang="zh-CN" altLang="en-US" dirty="0" smtClean="0"/>
-              <a:t>加个类层次</a:t>
-            </a:r>
-            <a:endParaRPr lang="zh-CN" altLang="en-US" dirty="0"/>
-          </a:p>
-        </p:txBody>
-      </p:sp>
-      <p:sp>
-        <p:nvSpPr>
-          <p:cNvPr id="3" name="内容占位符 2"/>
-          <p:cNvSpPr>
-            <a:spLocks noGrp="1"/>
-          </p:cNvSpPr>
-          <p:nvPr>
-            <p:ph idx="1"/>
-          </p:nvPr>
-        </p:nvSpPr>
-        <p:spPr/>
-        <p:txBody>
-          <a:bodyPr/>
-          <a:lstStyle/>
-          <a:p>
-            <a:endParaRPr lang="zh-CN" altLang="en-US"/>
-          </a:p>
-        </p:txBody>
-      </p:sp>
-    </p:spTree>
-    <p:extLst>
-      <p:ext uri="{BB962C8B-B14F-4D97-AF65-F5344CB8AC3E}">
-        <p14:creationId xmlns:p14="http://schemas.microsoft.com/office/powerpoint/2010/main" val="373957575"/>
-      </p:ext>
-    </p:extLst>
-  </p:cSld>
-  <p:clrMapOvr>
-    <a:masterClrMapping/>
-  </p:clrMapOvr>
-</p:sld>
-</file>
-
-<file path=ppt/slides/slide3.xml><?xml version="1.0" encoding="utf-8"?>
 <p:sld xmlns:a="http://schemas.openxmlformats.org/drawingml/2006/main" xmlns:r="http://schemas.openxmlformats.org/officeDocument/2006/relationships" xmlns:p="http://schemas.openxmlformats.org/presentationml/2006/main">
   <p:cSld>
     <p:spTree>
@@ -40378,13 +39717,224 @@
         </p:nvSpPr>
         <p:spPr/>
         <p:txBody>
-          <a:bodyPr/>
+          <a:bodyPr>
+            <a:normAutofit fontScale="92500" lnSpcReduction="20000"/>
+          </a:bodyPr>
           <a:lstStyle/>
           <a:p>
+            <a:r>
+              <a:rPr lang="en-US" altLang="zh-CN" dirty="0" err="1" smtClean="0"/>
+              <a:t>System.out,System.in,System.err</a:t>
+            </a:r>
+            <a:endParaRPr lang="en-US" altLang="zh-CN" dirty="0" smtClean="0"/>
+          </a:p>
+          <a:p>
+            <a:r>
+              <a:rPr lang="en-US" altLang="zh-CN" dirty="0"/>
+              <a:t>static long	</a:t>
+            </a:r>
+            <a:r>
+              <a:rPr lang="en-US" altLang="zh-CN" dirty="0" err="1"/>
+              <a:t>currentTimeMillis</a:t>
+            </a:r>
+            <a:r>
+              <a:rPr lang="en-US" altLang="zh-CN" dirty="0" smtClean="0"/>
+              <a:t>()</a:t>
+            </a:r>
+          </a:p>
+          <a:p>
+            <a:r>
+              <a:rPr lang="en-US" altLang="zh-CN" dirty="0"/>
+              <a:t>static void	exit(</a:t>
+            </a:r>
+            <a:r>
+              <a:rPr lang="en-US" altLang="zh-CN" dirty="0" err="1"/>
+              <a:t>int</a:t>
+            </a:r>
+            <a:r>
+              <a:rPr lang="en-US" altLang="zh-CN" dirty="0"/>
+              <a:t> status</a:t>
+            </a:r>
+            <a:r>
+              <a:rPr lang="en-US" altLang="zh-CN" dirty="0" smtClean="0"/>
+              <a:t>)</a:t>
+            </a:r>
+          </a:p>
+          <a:p>
+            <a:r>
+              <a:rPr lang="en-US" altLang="zh-CN" dirty="0"/>
+              <a:t>static Map&lt;</a:t>
+            </a:r>
+            <a:r>
+              <a:rPr lang="en-US" altLang="zh-CN" dirty="0" err="1"/>
+              <a:t>String,String</a:t>
+            </a:r>
+            <a:r>
+              <a:rPr lang="en-US" altLang="zh-CN" dirty="0"/>
+              <a:t>&gt;	</a:t>
+            </a:r>
+            <a:r>
+              <a:rPr lang="en-US" altLang="zh-CN" dirty="0" err="1"/>
+              <a:t>getenv</a:t>
+            </a:r>
+            <a:r>
+              <a:rPr lang="en-US" altLang="zh-CN" dirty="0" smtClean="0"/>
+              <a:t>()</a:t>
+            </a:r>
+          </a:p>
+          <a:p>
+            <a:r>
+              <a:rPr lang="en-US" altLang="zh-CN" dirty="0"/>
+              <a:t>static String	</a:t>
+            </a:r>
+            <a:r>
+              <a:rPr lang="en-US" altLang="zh-CN" dirty="0" err="1"/>
+              <a:t>getenv</a:t>
+            </a:r>
+            <a:r>
+              <a:rPr lang="en-US" altLang="zh-CN" dirty="0"/>
+              <a:t>(String name</a:t>
+            </a:r>
+            <a:r>
+              <a:rPr lang="en-US" altLang="zh-CN" dirty="0" smtClean="0"/>
+              <a:t>)</a:t>
+            </a:r>
+          </a:p>
+          <a:p>
+            <a:r>
+              <a:rPr lang="en-US" altLang="zh-CN" dirty="0"/>
+              <a:t>static Properties	</a:t>
+            </a:r>
+            <a:r>
+              <a:rPr lang="en-US" altLang="zh-CN" dirty="0" err="1"/>
+              <a:t>getProperties</a:t>
+            </a:r>
+            <a:r>
+              <a:rPr lang="en-US" altLang="zh-CN" dirty="0" smtClean="0"/>
+              <a:t>()</a:t>
+            </a:r>
+          </a:p>
+          <a:p>
+            <a:r>
+              <a:rPr lang="en-US" altLang="zh-CN" dirty="0"/>
+              <a:t>static String	</a:t>
+            </a:r>
+            <a:r>
+              <a:rPr lang="en-US" altLang="zh-CN" dirty="0" err="1"/>
+              <a:t>getProperty</a:t>
+            </a:r>
+            <a:r>
+              <a:rPr lang="en-US" altLang="zh-CN" dirty="0"/>
+              <a:t>(String key</a:t>
+            </a:r>
+            <a:r>
+              <a:rPr lang="en-US" altLang="zh-CN" dirty="0" smtClean="0"/>
+              <a:t>)</a:t>
+            </a:r>
+          </a:p>
+          <a:p>
+            <a:r>
+              <a:rPr lang="en-US" altLang="zh-CN" dirty="0"/>
+              <a:t>static String	</a:t>
+            </a:r>
+            <a:r>
+              <a:rPr lang="en-US" altLang="zh-CN" dirty="0" err="1"/>
+              <a:t>lineSeparator</a:t>
+            </a:r>
+            <a:r>
+              <a:rPr lang="en-US" altLang="zh-CN" dirty="0" smtClean="0"/>
+              <a:t>()</a:t>
+            </a:r>
+          </a:p>
+          <a:p>
+            <a:r>
+              <a:rPr lang="en-US" altLang="zh-CN" dirty="0"/>
+              <a:t>static void	</a:t>
+            </a:r>
+            <a:r>
+              <a:rPr lang="en-US" altLang="zh-CN" dirty="0" err="1"/>
+              <a:t>loadLibrary</a:t>
+            </a:r>
+            <a:r>
+              <a:rPr lang="en-US" altLang="zh-CN" dirty="0"/>
+              <a:t>(String </a:t>
+            </a:r>
+            <a:r>
+              <a:rPr lang="en-US" altLang="zh-CN" dirty="0" err="1"/>
+              <a:t>libname</a:t>
+            </a:r>
+            <a:r>
+              <a:rPr lang="en-US" altLang="zh-CN" dirty="0"/>
+              <a:t>)</a:t>
+            </a:r>
             <a:endParaRPr lang="zh-CN" altLang="en-US" dirty="0"/>
           </a:p>
         </p:txBody>
       </p:sp>
+      <p:pic>
+        <p:nvPicPr>
+          <p:cNvPr id="1026" name="Picture 2"/>
+          <p:cNvPicPr>
+            <a:picLocks noChangeAspect="1" noChangeArrowheads="1"/>
+          </p:cNvPicPr>
+          <p:nvPr/>
+        </p:nvPicPr>
+        <p:blipFill>
+          <a:blip r:embed="rId2">
+            <a:extLst>
+              <a:ext uri="{28A0092B-C50C-407E-A947-70E740481C1C}">
+                <a14:useLocalDpi xmlns:a14="http://schemas.microsoft.com/office/drawing/2010/main" val="0"/>
+              </a:ext>
+            </a:extLst>
+          </a:blip>
+          <a:srcRect/>
+          <a:stretch>
+            <a:fillRect/>
+          </a:stretch>
+        </p:blipFill>
+        <p:spPr bwMode="auto">
+          <a:xfrm>
+            <a:off x="7524328" y="1700808"/>
+            <a:ext cx="1057275" cy="1552575"/>
+          </a:xfrm>
+          <a:prstGeom prst="rect">
+            <a:avLst/>
+          </a:prstGeom>
+          <a:noFill/>
+          <a:ln>
+            <a:noFill/>
+          </a:ln>
+          <a:effectLst/>
+          <a:extLst>
+            <a:ext uri="{909E8E84-426E-40DD-AFC4-6F175D3DCCD1}">
+              <a14:hiddenFill xmlns:a14="http://schemas.microsoft.com/office/drawing/2010/main">
+                <a:solidFill>
+                  <a:schemeClr val="accent1"/>
+                </a:solidFill>
+              </a14:hiddenFill>
+            </a:ext>
+            <a:ext uri="{91240B29-F687-4F45-9708-019B960494DF}">
+              <a14:hiddenLine xmlns:a14="http://schemas.microsoft.com/office/drawing/2010/main" w="9525">
+                <a:solidFill>
+                  <a:schemeClr val="tx1"/>
+                </a:solidFill>
+                <a:miter lim="800000"/>
+                <a:headEnd/>
+                <a:tailEnd/>
+              </a14:hiddenLine>
+            </a:ext>
+            <a:ext uri="{AF507438-7753-43E0-B8FC-AC1667EBCBE1}">
+              <a14:hiddenEffects xmlns:a14="http://schemas.microsoft.com/office/drawing/2010/main">
+                <a:effectLst>
+                  <a:outerShdw dist="35921" dir="2700000" algn="ctr" rotWithShape="0">
+                    <a:schemeClr val="bg2"/>
+                  </a:outerShdw>
+                </a:effectLst>
+              </a14:hiddenEffects>
+            </a:ext>
+          </a:extLst>
+        </p:spPr>
+      </p:pic>
     </p:spTree>
     <p:extLst>
       <p:ext uri="{BB962C8B-B14F-4D97-AF65-F5344CB8AC3E}">
@@ -40395,6 +39945,313 @@
   <p:clrMapOvr>
     <a:masterClrMapping/>
   </p:clrMapOvr>
+  <p:timing>
+    <p:tnLst>
+      <p:par>
+        <p:cTn id="1" dur="indefinite" restart="never" nodeType="tmRoot"/>
+      </p:par>
+    </p:tnLst>
+  </p:timing>
+</p:sld>
+</file>
+
+<file path=ppt/slides/slide3.xml><?xml version="1.0" encoding="utf-8"?>
+<p:sld xmlns:a="http://schemas.openxmlformats.org/drawingml/2006/main" xmlns:r="http://schemas.openxmlformats.org/officeDocument/2006/relationships" xmlns:p="http://schemas.openxmlformats.org/presentationml/2006/main">
+  <p:cSld>
+    <p:spTree>
+      <p:nvGrpSpPr>
+        <p:cNvPr id="1" name=""/>
+        <p:cNvGrpSpPr/>
+        <p:nvPr/>
+      </p:nvGrpSpPr>
+      <p:grpSpPr>
+        <a:xfrm>
+          <a:off x="0" y="0"/>
+          <a:ext cx="0" cy="0"/>
+          <a:chOff x="0" y="0"/>
+          <a:chExt cx="0" cy="0"/>
+        </a:xfrm>
+      </p:grpSpPr>
+      <p:sp>
+        <p:nvSpPr>
+          <p:cNvPr id="2" name="标题 1"/>
+          <p:cNvSpPr>
+            <a:spLocks noGrp="1"/>
+          </p:cNvSpPr>
+          <p:nvPr>
+            <p:ph type="title"/>
+          </p:nvPr>
+        </p:nvSpPr>
+        <p:spPr/>
+        <p:txBody>
+          <a:bodyPr>
+            <a:normAutofit fontScale="90000"/>
+          </a:bodyPr>
+          <a:lstStyle/>
+          <a:p>
+            <a:r>
+              <a:rPr lang="en-US" altLang="zh-CN" dirty="0"/>
+              <a:t>Properties</a:t>
+            </a:r>
+            <a:endParaRPr lang="zh-CN" altLang="en-US" dirty="0"/>
+          </a:p>
+        </p:txBody>
+      </p:sp>
+      <p:sp>
+        <p:nvSpPr>
+          <p:cNvPr id="3" name="内容占位符 2"/>
+          <p:cNvSpPr>
+            <a:spLocks noGrp="1"/>
+          </p:cNvSpPr>
+          <p:nvPr>
+            <p:ph idx="1"/>
+          </p:nvPr>
+        </p:nvSpPr>
+        <p:spPr>
+          <a:xfrm>
+            <a:off x="251520" y="1600201"/>
+            <a:ext cx="8435280" cy="3556991"/>
+          </a:xfrm>
+        </p:spPr>
+        <p:txBody>
+          <a:bodyPr>
+            <a:normAutofit fontScale="77500" lnSpcReduction="20000"/>
+          </a:bodyPr>
+          <a:lstStyle/>
+          <a:p>
+            <a:pPr marL="0" indent="0">
+              <a:buNone/>
+            </a:pPr>
+            <a:r>
+              <a:rPr lang="en-US" altLang="zh-CN" dirty="0"/>
+              <a:t>Properties prop = new Properties();</a:t>
+            </a:r>
+          </a:p>
+          <a:p>
+            <a:pPr marL="0" indent="0">
+              <a:buNone/>
+            </a:pPr>
+            <a:r>
+              <a:rPr lang="en-US" altLang="zh-CN" dirty="0" err="1"/>
+              <a:t>InputStream</a:t>
+            </a:r>
+            <a:r>
+              <a:rPr lang="en-US" altLang="zh-CN" dirty="0"/>
+              <a:t> input = new </a:t>
+            </a:r>
+            <a:r>
+              <a:rPr lang="en-US" altLang="zh-CN" dirty="0" err="1"/>
+              <a:t>FileInputStream</a:t>
+            </a:r>
+            <a:r>
+              <a:rPr lang="en-US" altLang="zh-CN" dirty="0"/>
+              <a:t>("</a:t>
+            </a:r>
+            <a:r>
+              <a:rPr lang="en-US" altLang="zh-CN" dirty="0" err="1"/>
+              <a:t>config.properties</a:t>
+            </a:r>
+            <a:r>
+              <a:rPr lang="en-US" altLang="zh-CN" dirty="0"/>
+              <a:t>");</a:t>
+            </a:r>
+          </a:p>
+          <a:p>
+            <a:pPr marL="0" indent="0">
+              <a:buNone/>
+            </a:pPr>
+            <a:r>
+              <a:rPr lang="en-US" altLang="zh-CN" dirty="0" err="1"/>
+              <a:t>prop.load</a:t>
+            </a:r>
+            <a:r>
+              <a:rPr lang="en-US" altLang="zh-CN" dirty="0"/>
+              <a:t>(input);</a:t>
+            </a:r>
+          </a:p>
+          <a:p>
+            <a:pPr marL="0" indent="0">
+              <a:buNone/>
+            </a:pPr>
+            <a:endParaRPr lang="en-US" altLang="zh-CN" dirty="0"/>
+          </a:p>
+          <a:p>
+            <a:pPr marL="0" indent="0">
+              <a:buNone/>
+            </a:pPr>
+            <a:r>
+              <a:rPr lang="en-US" altLang="zh-CN" dirty="0"/>
+              <a:t>// get the property value and print it out</a:t>
+            </a:r>
+          </a:p>
+          <a:p>
+            <a:pPr marL="0" indent="0">
+              <a:buNone/>
+            </a:pPr>
+            <a:r>
+              <a:rPr lang="en-US" altLang="zh-CN" dirty="0" err="1"/>
+              <a:t>System.out.println</a:t>
+            </a:r>
+            <a:r>
+              <a:rPr lang="en-US" altLang="zh-CN" dirty="0"/>
+              <a:t>(</a:t>
+            </a:r>
+            <a:r>
+              <a:rPr lang="en-US" altLang="zh-CN" dirty="0" err="1"/>
+              <a:t>prop.getProperty</a:t>
+            </a:r>
+            <a:r>
+              <a:rPr lang="en-US" altLang="zh-CN" dirty="0"/>
+              <a:t>("database"));</a:t>
+            </a:r>
+          </a:p>
+          <a:p>
+            <a:pPr marL="0" indent="0">
+              <a:buNone/>
+            </a:pPr>
+            <a:r>
+              <a:rPr lang="en-US" altLang="zh-CN" dirty="0" err="1"/>
+              <a:t>System.out.println</a:t>
+            </a:r>
+            <a:r>
+              <a:rPr lang="en-US" altLang="zh-CN" dirty="0"/>
+              <a:t>(</a:t>
+            </a:r>
+            <a:r>
+              <a:rPr lang="en-US" altLang="zh-CN" dirty="0" err="1"/>
+              <a:t>prop.getProperty</a:t>
+            </a:r>
+            <a:r>
+              <a:rPr lang="en-US" altLang="zh-CN" dirty="0"/>
+              <a:t>("</a:t>
+            </a:r>
+            <a:r>
+              <a:rPr lang="en-US" altLang="zh-CN" dirty="0" err="1"/>
+              <a:t>dbuser</a:t>
+            </a:r>
+            <a:r>
+              <a:rPr lang="en-US" altLang="zh-CN" dirty="0"/>
+              <a:t>"));</a:t>
+            </a:r>
+          </a:p>
+          <a:p>
+            <a:pPr marL="0" indent="0">
+              <a:buNone/>
+            </a:pPr>
+            <a:r>
+              <a:rPr lang="en-US" altLang="zh-CN" dirty="0" err="1"/>
+              <a:t>System.out.println</a:t>
+            </a:r>
+            <a:r>
+              <a:rPr lang="en-US" altLang="zh-CN" dirty="0"/>
+              <a:t>(</a:t>
+            </a:r>
+            <a:r>
+              <a:rPr lang="en-US" altLang="zh-CN" dirty="0" err="1"/>
+              <a:t>prop.getProperty</a:t>
+            </a:r>
+            <a:r>
+              <a:rPr lang="en-US" altLang="zh-CN" dirty="0"/>
+              <a:t>("</a:t>
+            </a:r>
+            <a:r>
+              <a:rPr lang="en-US" altLang="zh-CN" dirty="0" err="1"/>
+              <a:t>dbpassword</a:t>
+            </a:r>
+            <a:r>
+              <a:rPr lang="en-US" altLang="zh-CN" dirty="0"/>
+              <a:t>"));</a:t>
+            </a:r>
+          </a:p>
+          <a:p>
+            <a:pPr marL="0" indent="0">
+              <a:buNone/>
+            </a:pPr>
+            <a:endParaRPr lang="zh-CN" altLang="en-US" dirty="0"/>
+          </a:p>
+        </p:txBody>
+      </p:sp>
+      <p:pic>
+        <p:nvPicPr>
+          <p:cNvPr id="2050" name="Picture 2"/>
+          <p:cNvPicPr>
+            <a:picLocks noChangeAspect="1" noChangeArrowheads="1"/>
+          </p:cNvPicPr>
+          <p:nvPr/>
+        </p:nvPicPr>
+        <p:blipFill>
+          <a:blip r:embed="rId2">
+            <a:extLst>
+              <a:ext uri="{28A0092B-C50C-407E-A947-70E740481C1C}">
+                <a14:useLocalDpi xmlns:a14="http://schemas.microsoft.com/office/drawing/2010/main" val="0"/>
+              </a:ext>
+            </a:extLst>
+          </a:blip>
+          <a:srcRect/>
+          <a:stretch>
+            <a:fillRect/>
+          </a:stretch>
+        </p:blipFill>
+        <p:spPr bwMode="auto">
+          <a:xfrm>
+            <a:off x="7452320" y="1862630"/>
+            <a:ext cx="990600" cy="1495425"/>
+          </a:xfrm>
+          <a:prstGeom prst="rect">
+            <a:avLst/>
+          </a:prstGeom>
+          <a:noFill/>
+          <a:ln>
+            <a:noFill/>
+          </a:ln>
+          <a:effectLst/>
+          <a:extLst>
+            <a:ext uri="{909E8E84-426E-40DD-AFC4-6F175D3DCCD1}">
+              <a14:hiddenFill xmlns:a14="http://schemas.microsoft.com/office/drawing/2010/main">
+                <a:solidFill>
+                  <a:schemeClr val="accent1"/>
+                </a:solidFill>
+              </a14:hiddenFill>
+            </a:ext>
+            <a:ext uri="{91240B29-F687-4F45-9708-019B960494DF}">
+              <a14:hiddenLine xmlns:a14="http://schemas.microsoft.com/office/drawing/2010/main" w="9525">
+                <a:solidFill>
+                  <a:schemeClr val="tx1"/>
+                </a:solidFill>
+                <a:miter lim="800000"/>
+                <a:headEnd/>
+                <a:tailEnd/>
+              </a14:hiddenLine>
+            </a:ext>
+            <a:ext uri="{AF507438-7753-43E0-B8FC-AC1667EBCBE1}">
+              <a14:hiddenEffects xmlns:a14="http://schemas.microsoft.com/office/drawing/2010/main">
+                <a:effectLst>
+                  <a:outerShdw dist="35921" dir="2700000" algn="ctr" rotWithShape="0">
+                    <a:schemeClr val="bg2"/>
+                  </a:outerShdw>
+                </a:effectLst>
+              </a14:hiddenEffects>
+            </a:ext>
+          </a:extLst>
+        </p:spPr>
+      </p:pic>
+    </p:spTree>
+    <p:extLst>
+      <p:ext uri="{BB962C8B-B14F-4D97-AF65-F5344CB8AC3E}">
+        <p14:creationId xmlns:p14="http://schemas.microsoft.com/office/powerpoint/2010/main" val="1800400573"/>
+      </p:ext>
+    </p:extLst>
+  </p:cSld>
+  <p:clrMapOvr>
+    <a:masterClrMapping/>
+  </p:clrMapOvr>
+  <p:timing>
+    <p:tnLst>
+      <p:par>
+        <p:cTn id="1" dur="indefinite" restart="never" nodeType="tmRoot"/>
+      </p:par>
+    </p:tnLst>
+  </p:timing>
 </p:sld>
 </file>
 
@@ -40458,7 +40315,108 @@
           <a:bodyPr/>
           <a:lstStyle/>
           <a:p>
-            <a:endParaRPr lang="zh-CN" altLang="en-US"/>
+            <a:pPr marL="0" indent="0">
+              <a:buNone/>
+            </a:pPr>
+            <a:r>
+              <a:rPr lang="en-US" altLang="zh-CN" dirty="0"/>
+              <a:t>static Runtime	</a:t>
+            </a:r>
+            <a:r>
+              <a:rPr lang="en-US" altLang="zh-CN" dirty="0" err="1"/>
+              <a:t>getRuntime</a:t>
+            </a:r>
+            <a:r>
+              <a:rPr lang="en-US" altLang="zh-CN" dirty="0"/>
+              <a:t>()</a:t>
+            </a:r>
+          </a:p>
+          <a:p>
+            <a:pPr marL="0" indent="0">
+              <a:buNone/>
+            </a:pPr>
+            <a:r>
+              <a:rPr lang="en-US" altLang="zh-CN" dirty="0"/>
+              <a:t>void	</a:t>
+            </a:r>
+            <a:r>
+              <a:rPr lang="en-US" altLang="zh-CN" dirty="0" err="1"/>
+              <a:t>addShutdownHook</a:t>
+            </a:r>
+            <a:r>
+              <a:rPr lang="en-US" altLang="zh-CN" dirty="0"/>
+              <a:t>(Thread hook)</a:t>
+            </a:r>
+          </a:p>
+          <a:p>
+            <a:pPr marL="0" indent="0">
+              <a:buNone/>
+            </a:pPr>
+            <a:r>
+              <a:rPr lang="en-US" altLang="zh-CN" dirty="0" err="1"/>
+              <a:t>int</a:t>
+            </a:r>
+            <a:r>
+              <a:rPr lang="en-US" altLang="zh-CN" dirty="0"/>
+              <a:t>	</a:t>
+            </a:r>
+            <a:r>
+              <a:rPr lang="en-US" altLang="zh-CN" dirty="0" err="1"/>
+              <a:t>availableProcessors</a:t>
+            </a:r>
+            <a:r>
+              <a:rPr lang="en-US" altLang="zh-CN" dirty="0"/>
+              <a:t>()</a:t>
+            </a:r>
+          </a:p>
+          <a:p>
+            <a:pPr marL="0" indent="0">
+              <a:buNone/>
+            </a:pPr>
+            <a:r>
+              <a:rPr lang="en-US" altLang="zh-CN" dirty="0"/>
+              <a:t>Process	exec(String command)</a:t>
+            </a:r>
+          </a:p>
+          <a:p>
+            <a:pPr marL="0" indent="0">
+              <a:buNone/>
+            </a:pPr>
+            <a:r>
+              <a:rPr lang="en-US" altLang="zh-CN" dirty="0"/>
+              <a:t>void	exit(</a:t>
+            </a:r>
+            <a:r>
+              <a:rPr lang="en-US" altLang="zh-CN" dirty="0" err="1"/>
+              <a:t>int</a:t>
+            </a:r>
+            <a:r>
+              <a:rPr lang="en-US" altLang="zh-CN" dirty="0"/>
+              <a:t> status)</a:t>
+            </a:r>
+          </a:p>
+          <a:p>
+            <a:pPr marL="0" indent="0">
+              <a:buNone/>
+            </a:pPr>
+            <a:r>
+              <a:rPr lang="en-US" altLang="zh-CN" dirty="0"/>
+              <a:t>long	</a:t>
+            </a:r>
+            <a:r>
+              <a:rPr lang="en-US" altLang="zh-CN" dirty="0" err="1"/>
+              <a:t>freeMemory</a:t>
+            </a:r>
+            <a:r>
+              <a:rPr lang="en-US" altLang="zh-CN" dirty="0"/>
+              <a:t>()</a:t>
+            </a:r>
+          </a:p>
+          <a:p>
+            <a:pPr marL="0" indent="0">
+              <a:buNone/>
+            </a:pPr>
+            <a:endParaRPr lang="zh-CN" altLang="en-US" dirty="0"/>
           </a:p>
         </p:txBody>
       </p:sp>
@@ -40472,6 +40430,13 @@
   <p:clrMapOvr>
     <a:masterClrMapping/>
   </p:clrMapOvr>
+  <p:timing>
+    <p:tnLst>
+      <p:par>
+        <p:cTn id="1" dur="indefinite" restart="never" nodeType="tmRoot"/>
+      </p:par>
+    </p:tnLst>
+  </p:timing>
 </p:sld>
 </file>
 
@@ -40511,7 +40476,7 @@
           <a:p>
             <a:r>
               <a:rPr lang="en-US" altLang="zh-CN" dirty="0"/>
-              <a:t>Object</a:t>
+              <a:t>Math</a:t>
             </a:r>
             <a:r>
               <a:rPr lang="zh-CN" altLang="en-US" dirty="0"/>
@@ -40535,96 +40500,45 @@
           <a:bodyPr/>
           <a:lstStyle/>
           <a:p>
-            <a:endParaRPr lang="zh-CN" altLang="en-US"/>
-          </a:p>
-        </p:txBody>
-      </p:sp>
-    </p:spTree>
-    <p:extLst>
-      <p:ext uri="{BB962C8B-B14F-4D97-AF65-F5344CB8AC3E}">
-        <p14:creationId xmlns:p14="http://schemas.microsoft.com/office/powerpoint/2010/main" val="4049019164"/>
-      </p:ext>
-    </p:extLst>
-  </p:cSld>
-  <p:clrMapOvr>
-    <a:masterClrMapping/>
-  </p:clrMapOvr>
-</p:sld>
-</file>
-
-<file path=ppt/slides/slide6.xml><?xml version="1.0" encoding="utf-8"?>
-<p:sld xmlns:a="http://schemas.openxmlformats.org/drawingml/2006/main" xmlns:r="http://schemas.openxmlformats.org/officeDocument/2006/relationships" xmlns:p="http://schemas.openxmlformats.org/presentationml/2006/main">
-  <p:cSld>
-    <p:spTree>
-      <p:nvGrpSpPr>
-        <p:cNvPr id="1" name=""/>
-        <p:cNvGrpSpPr/>
-        <p:nvPr/>
-      </p:nvGrpSpPr>
-      <p:grpSpPr>
-        <a:xfrm>
-          <a:off x="0" y="0"/>
-          <a:ext cx="0" cy="0"/>
-          <a:chOff x="0" y="0"/>
-          <a:chExt cx="0" cy="0"/>
-        </a:xfrm>
-      </p:grpSpPr>
-      <p:sp>
-        <p:nvSpPr>
-          <p:cNvPr id="2" name="标题 1"/>
-          <p:cNvSpPr>
-            <a:spLocks noGrp="1"/>
-          </p:cNvSpPr>
-          <p:nvPr>
-            <p:ph type="title"/>
-          </p:nvPr>
-        </p:nvSpPr>
-        <p:spPr/>
-        <p:txBody>
-          <a:bodyPr>
-            <a:normAutofit fontScale="90000"/>
-          </a:bodyPr>
-          <a:lstStyle/>
-          <a:p>
+            <a:pPr marL="0" indent="0">
+              <a:buNone/>
+            </a:pPr>
             <a:r>
               <a:rPr lang="en-US" altLang="zh-CN" dirty="0"/>
-              <a:t>String</a:t>
+              <a:t>static double	E</a:t>
             </a:r>
+          </a:p>
+          <a:p>
+            <a:pPr marL="0" indent="0">
+              <a:buNone/>
+            </a:pPr>
             <a:r>
-              <a:rPr lang="zh-CN" altLang="en-US" dirty="0"/>
-              <a:t>、</a:t>
+              <a:rPr lang="en-US" altLang="zh-CN" dirty="0"/>
+              <a:t>static double	PI</a:t>
             </a:r>
+          </a:p>
+          <a:p>
+            <a:pPr marL="0" indent="0">
+              <a:buNone/>
+            </a:pPr>
             <a:r>
-              <a:rPr lang="en-US" altLang="zh-CN" dirty="0" err="1"/>
-              <a:t>StringBuffer</a:t>
+              <a:rPr lang="en-US" altLang="zh-CN" dirty="0"/>
+              <a:t>static double	abs(double a)</a:t>
             </a:r>
+          </a:p>
+          <a:p>
+            <a:pPr marL="0" indent="0">
+              <a:buNone/>
+            </a:pPr>
             <a:r>
-              <a:rPr lang="zh-CN" altLang="en-US" dirty="0"/>
-              <a:t>和</a:t>
+              <a:rPr lang="en-US" altLang="zh-CN" dirty="0"/>
+              <a:t>.....</a:t>
             </a:r>
-            <a:r>
-              <a:rPr lang="en-US" altLang="zh-CN" dirty="0" err="1"/>
-              <a:t>StringBuilder</a:t>
-            </a:r>
-            <a:endParaRPr lang="zh-CN" altLang="en-US" dirty="0"/>
           </a:p>
-        </p:txBody>
-      </p:sp>
-      <p:sp>
-        <p:nvSpPr>
-          <p:cNvPr id="3" name="内容占位符 2"/>
-          <p:cNvSpPr>
-            <a:spLocks noGrp="1"/>
-          </p:cNvSpPr>
-          <p:nvPr>
-            <p:ph idx="1"/>
-          </p:nvPr>
-        </p:nvSpPr>
-        <p:spPr/>
-        <p:txBody>
-          <a:bodyPr/>
-          <a:lstStyle/>
           <a:p>
+            <a:pPr marL="0" indent="0">
+              <a:buNone/>
+            </a:pPr>
             <a:endParaRPr lang="zh-CN" altLang="en-US" dirty="0"/>
           </a:p>
         </p:txBody>
@@ -40632,94 +40546,24 @@
     </p:spTree>
     <p:extLst>
       <p:ext uri="{BB962C8B-B14F-4D97-AF65-F5344CB8AC3E}">
-        <p14:creationId xmlns:p14="http://schemas.microsoft.com/office/powerpoint/2010/main" val="2384172636"/>
+        <p14:creationId xmlns:p14="http://schemas.microsoft.com/office/powerpoint/2010/main" val="56375185"/>
       </p:ext>
     </p:extLst>
   </p:cSld>
   <p:clrMapOvr>
     <a:masterClrMapping/>
   </p:clrMapOvr>
+  <p:timing>
+    <p:tnLst>
+      <p:par>
+        <p:cTn id="1" dur="indefinite" restart="never" nodeType="tmRoot"/>
+      </p:par>
+    </p:tnLst>
+  </p:timing>
 </p:sld>
 </file>
 
-<file path=ppt/slides/slide7.xml><?xml version="1.0" encoding="utf-8"?>
-<p:sld xmlns:a="http://schemas.openxmlformats.org/drawingml/2006/main" xmlns:r="http://schemas.openxmlformats.org/officeDocument/2006/relationships" xmlns:p="http://schemas.openxmlformats.org/presentationml/2006/main">
-  <p:cSld>
-    <p:spTree>
-      <p:nvGrpSpPr>
-        <p:cNvPr id="1" name=""/>
-        <p:cNvGrpSpPr/>
-        <p:nvPr/>
-      </p:nvGrpSpPr>
-      <p:grpSpPr>
-        <a:xfrm>
-          <a:off x="0" y="0"/>
-          <a:ext cx="0" cy="0"/>
-          <a:chOff x="0" y="0"/>
-          <a:chExt cx="0" cy="0"/>
-        </a:xfrm>
-      </p:grpSpPr>
-      <p:sp>
-        <p:nvSpPr>
-          <p:cNvPr id="2" name="标题 1"/>
-          <p:cNvSpPr>
-            <a:spLocks noGrp="1"/>
-          </p:cNvSpPr>
-          <p:nvPr>
-            <p:ph type="title"/>
-          </p:nvPr>
-        </p:nvSpPr>
-        <p:spPr/>
-        <p:txBody>
-          <a:bodyPr>
-            <a:normAutofit fontScale="90000"/>
-          </a:bodyPr>
-          <a:lstStyle/>
-          <a:p>
-            <a:r>
-              <a:rPr lang="en-US" altLang="zh-CN" dirty="0"/>
-              <a:t>String</a:t>
-            </a:r>
-            <a:r>
-              <a:rPr lang="zh-CN" altLang="en-US" dirty="0"/>
-              <a:t>类的正则表达式支持</a:t>
-            </a:r>
-          </a:p>
-        </p:txBody>
-      </p:sp>
-      <p:sp>
-        <p:nvSpPr>
-          <p:cNvPr id="3" name="内容占位符 2"/>
-          <p:cNvSpPr>
-            <a:spLocks noGrp="1"/>
-          </p:cNvSpPr>
-          <p:nvPr>
-            <p:ph idx="1"/>
-          </p:nvPr>
-        </p:nvSpPr>
-        <p:spPr/>
-        <p:txBody>
-          <a:bodyPr/>
-          <a:lstStyle/>
-          <a:p>
-            <a:endParaRPr lang="zh-CN" altLang="en-US"/>
-          </a:p>
-        </p:txBody>
-      </p:sp>
-    </p:spTree>
-    <p:extLst>
-      <p:ext uri="{BB962C8B-B14F-4D97-AF65-F5344CB8AC3E}">
-        <p14:creationId xmlns:p14="http://schemas.microsoft.com/office/powerpoint/2010/main" val="1179953448"/>
-      </p:ext>
-    </p:extLst>
-  </p:cSld>
-  <p:clrMapOvr>
-    <a:masterClrMapping/>
-  </p:clrMapOvr>
-</p:sld>
-</file>
-
-<file path=ppt/slides/slide8.xml><?xml version="1.0" encoding="utf-8"?>
+<file path=ppt/slides/slide6.xml><?xml version="1.0" encoding="utf-8"?>
 <p:sld xmlns:a="http://schemas.openxmlformats.org/drawingml/2006/main" xmlns:r="http://schemas.openxmlformats.org/officeDocument/2006/relationships" xmlns:p="http://schemas.openxmlformats.org/presentationml/2006/main">
   <p:cSld>
     <p:spTree>
@@ -40777,7 +40621,7 @@
           <a:p>
             <a:r>
               <a:rPr lang="en-US" altLang="zh-CN" dirty="0" err="1" smtClean="0"/>
-              <a:t>ava.util.ResourceBundle</a:t>
+              <a:t>java.util.ResourceBundle</a:t>
             </a:r>
             <a:r>
               <a:rPr lang="zh-CN" altLang="en-US" dirty="0"/>
@@ -40824,10 +40668,17 @@
   <p:clrMapOvr>
     <a:masterClrMapping/>
   </p:clrMapOvr>
+  <p:timing>
+    <p:tnLst>
+      <p:par>
+        <p:cTn id="1" dur="indefinite" restart="never" nodeType="tmRoot"/>
+      </p:par>
+    </p:tnLst>
+  </p:timing>
 </p:sld>
 </file>
 
-<file path=ppt/slides/slide9.xml><?xml version="1.0" encoding="utf-8"?>
+<file path=ppt/slides/slide7.xml><?xml version="1.0" encoding="utf-8"?>
 <p:sld xmlns:a="http://schemas.openxmlformats.org/drawingml/2006/main" xmlns:r="http://schemas.openxmlformats.org/officeDocument/2006/relationships" xmlns:p="http://schemas.openxmlformats.org/presentationml/2006/main">
   <p:cSld>
     <p:spTree>
@@ -40844,76 +40695,23 @@
           <a:chExt cx="0" cy="0"/>
         </a:xfrm>
       </p:grpSpPr>
-      <p:sp>
-        <p:nvSpPr>
-          <p:cNvPr id="2" name="标题 1"/>
-          <p:cNvSpPr>
-            <a:spLocks noGrp="1"/>
-          </p:cNvSpPr>
-          <p:nvPr>
-            <p:ph type="title"/>
-          </p:nvPr>
-        </p:nvSpPr>
-        <p:spPr/>
-        <p:txBody>
-          <a:bodyPr>
-            <a:normAutofit fontScale="90000"/>
-          </a:bodyPr>
-          <a:lstStyle/>
-          <a:p>
-            <a:r>
-              <a:rPr lang="en-US" altLang="zh-CN" dirty="0" err="1"/>
-              <a:t>NumberFormat</a:t>
-            </a:r>
-            <a:r>
-              <a:rPr lang="zh-CN" altLang="en-US" dirty="0"/>
-              <a:t>和</a:t>
-            </a:r>
-            <a:r>
-              <a:rPr lang="en-US" altLang="zh-CN" dirty="0" err="1" smtClean="0"/>
-              <a:t>DateFormat</a:t>
-            </a:r>
-            <a:r>
-              <a:rPr lang="zh-CN" altLang="en-US" dirty="0" smtClean="0"/>
-              <a:t>、</a:t>
-            </a:r>
-            <a:r>
-              <a:rPr lang="en-US" altLang="zh-CN" dirty="0" err="1" smtClean="0"/>
-              <a:t>SimpleDateFormat</a:t>
-            </a:r>
-            <a:endParaRPr lang="zh-CN" altLang="en-US" dirty="0"/>
-          </a:p>
-        </p:txBody>
-      </p:sp>
-      <p:sp>
-        <p:nvSpPr>
-          <p:cNvPr id="3" name="内容占位符 2"/>
-          <p:cNvSpPr>
-            <a:spLocks noGrp="1"/>
-          </p:cNvSpPr>
-          <p:nvPr>
-            <p:ph idx="1"/>
-          </p:nvPr>
-        </p:nvSpPr>
-        <p:spPr/>
-        <p:txBody>
-          <a:bodyPr/>
-          <a:lstStyle/>
-          <a:p>
-            <a:endParaRPr lang="zh-CN" altLang="en-US" dirty="0"/>
-          </a:p>
-        </p:txBody>
-      </p:sp>
     </p:spTree>
     <p:extLst>
       <p:ext uri="{BB962C8B-B14F-4D97-AF65-F5344CB8AC3E}">
-        <p14:creationId xmlns:p14="http://schemas.microsoft.com/office/powerpoint/2010/main" val="929477447"/>
+        <p14:creationId xmlns:p14="http://schemas.microsoft.com/office/powerpoint/2010/main" val="1536160576"/>
       </p:ext>
     </p:extLst>
   </p:cSld>
   <p:clrMapOvr>
     <a:masterClrMapping/>
   </p:clrMapOvr>
+  <p:timing>
+    <p:tnLst>
+      <p:par>
+        <p:cTn id="1" dur="indefinite" restart="never" nodeType="tmRoot"/>
+      </p:par>
+    </p:tnLst>
+  </p:timing>
 </p:sld>
 </file>
 
